--- a/21-30/ch22_while/ch22_while.pptx
+++ b/21-30/ch22_while/ch22_while.pptx
@@ -3887,6 +3887,11 @@
           <a:prstGeom prst="rect">
             <a:avLst/>
           </a:prstGeom>
+          <a:ln>
+            <a:solidFill>
+              <a:srgbClr val="C00000"/>
+            </a:solidFill>
+          </a:ln>
         </p:spPr>
       </p:pic>
     </p:spTree>
